--- a/Python/ppt/plantilla_4.pptx
+++ b/Python/ppt/plantilla_4.pptx
@@ -673,7 +673,7 @@
                 <a:buFont typeface="Arial"/>
                 <a:buNone/>
               </a:pPr>
-              <a:t>13/10/2020</a:t>
+              <a:t>27/10/2020</a:t>
             </a:fld>
             <a:endParaRPr lang="es-ES" dirty="0"/>
           </a:p>
@@ -694,7 +694,7 @@
           <a:bodyPr/>
           <a:lstStyle/>
           <a:p>
-            <a:endParaRPr lang="en-US"/>
+            <a:endParaRPr lang="es-ES" noProof="0" dirty="0"/>
           </a:p>
         </p:txBody>
       </p:sp>
@@ -714,10 +714,10 @@
           <a:lstStyle/>
           <a:p>
             <a:fld id="{C5EF2332-01BF-834F-8236-50238282D533}" type="slidenum">
-              <a:rPr lang="en-US" smtClean="0"/>
+              <a:rPr lang="es-ES" noProof="0" smtClean="0"/>
               <a:t>‹Nº›</a:t>
             </a:fld>
-            <a:endParaRPr lang="en-US"/>
+            <a:endParaRPr lang="es-ES" noProof="0" dirty="0"/>
           </a:p>
         </p:txBody>
       </p:sp>
@@ -758,9 +758,34 @@
           </a:lstStyle>
           <a:p>
             <a:r>
-              <a:rPr lang="en-US" dirty="0"/>
-              <a:t>Click to edit Master title style</a:t>
-            </a:r>
+              <a:rPr lang="es-ES" noProof="0" dirty="0" err="1"/>
+              <a:t>Click</a:t>
+            </a:r>
+            <a:r>
+              <a:rPr lang="es-ES" noProof="0" dirty="0"/>
+              <a:t> to </a:t>
+            </a:r>
+            <a:r>
+              <a:rPr lang="es-ES" noProof="0" dirty="0" err="1"/>
+              <a:t>edit</a:t>
+            </a:r>
+            <a:r>
+              <a:rPr lang="es-ES" noProof="0" dirty="0"/>
+              <a:t> Master </a:t>
+            </a:r>
+            <a:r>
+              <a:rPr lang="es-ES" noProof="0" dirty="0" err="1"/>
+              <a:t>title</a:t>
+            </a:r>
+            <a:r>
+              <a:rPr lang="es-ES" noProof="0" dirty="0"/>
+              <a:t> </a:t>
+            </a:r>
+            <a:r>
+              <a:rPr lang="es-ES" noProof="0" dirty="0" err="1"/>
+              <a:t>style</a:t>
+            </a:r>
+            <a:endParaRPr lang="es-ES" noProof="0" dirty="0"/>
           </a:p>
         </p:txBody>
       </p:sp>
@@ -811,9 +836,34 @@
               </a:spcAft>
             </a:pPr>
             <a:r>
-              <a:rPr lang="en-US" dirty="0"/>
-              <a:t>Click to edit Master subtitle style</a:t>
-            </a:r>
+              <a:rPr lang="es-ES" noProof="0" dirty="0" err="1"/>
+              <a:t>Click</a:t>
+            </a:r>
+            <a:r>
+              <a:rPr lang="es-ES" noProof="0" dirty="0"/>
+              <a:t> to </a:t>
+            </a:r>
+            <a:r>
+              <a:rPr lang="es-ES" noProof="0" dirty="0" err="1"/>
+              <a:t>edit</a:t>
+            </a:r>
+            <a:r>
+              <a:rPr lang="es-ES" noProof="0" dirty="0"/>
+              <a:t> Master </a:t>
+            </a:r>
+            <a:r>
+              <a:rPr lang="es-ES" noProof="0" dirty="0" err="1"/>
+              <a:t>subtitle</a:t>
+            </a:r>
+            <a:r>
+              <a:rPr lang="es-ES" noProof="0" dirty="0"/>
+              <a:t> </a:t>
+            </a:r>
+            <a:r>
+              <a:rPr lang="es-ES" noProof="0" dirty="0" err="1"/>
+              <a:t>style</a:t>
+            </a:r>
+            <a:endParaRPr lang="es-ES" noProof="0" dirty="0"/>
           </a:p>
         </p:txBody>
       </p:sp>
@@ -937,7 +987,7 @@
           <a:p>
             <a:fld id="{241EB5C9-1307-BA42-ABA2-0BC069CD8E7F}" type="datetimeFigureOut">
               <a:rPr lang="en-US" smtClean="0"/>
-              <a:t>10/13/2020</a:t>
+              <a:t>10/27/2020</a:t>
             </a:fld>
             <a:endParaRPr lang="en-US"/>
           </a:p>
@@ -1115,7 +1165,7 @@
           <a:p>
             <a:fld id="{241EB5C9-1307-BA42-ABA2-0BC069CD8E7F}" type="datetimeFigureOut">
               <a:rPr lang="en-US" smtClean="0"/>
-              <a:t>10/13/2020</a:t>
+              <a:t>10/27/2020</a:t>
             </a:fld>
             <a:endParaRPr lang="en-US"/>
           </a:p>
@@ -1210,7 +1260,7 @@
           <a:p>
             <a:fld id="{241EB5C9-1307-BA42-ABA2-0BC069CD8E7F}" type="datetimeFigureOut">
               <a:rPr lang="en-US" smtClean="0"/>
-              <a:t>10/13/2020</a:t>
+              <a:t>10/27/2020</a:t>
             </a:fld>
             <a:endParaRPr lang="en-US"/>
           </a:p>
@@ -1335,9 +1385,34 @@
               <a:buFont typeface="Arial" panose="020B0604020202020204" pitchFamily="34" charset="0"/>
             </a:pPr>
             <a:r>
-              <a:rPr lang="en-US" dirty="0"/>
-              <a:t>Click to edit Master text styles</a:t>
-            </a:r>
+              <a:rPr lang="es-ES" noProof="0" dirty="0" err="1"/>
+              <a:t>Click</a:t>
+            </a:r>
+            <a:r>
+              <a:rPr lang="es-ES" noProof="0" dirty="0"/>
+              <a:t> to </a:t>
+            </a:r>
+            <a:r>
+              <a:rPr lang="es-ES" noProof="0" dirty="0" err="1"/>
+              <a:t>edit</a:t>
+            </a:r>
+            <a:r>
+              <a:rPr lang="es-ES" noProof="0" dirty="0"/>
+              <a:t> Master </a:t>
+            </a:r>
+            <a:r>
+              <a:rPr lang="es-ES" noProof="0" dirty="0" err="1"/>
+              <a:t>text</a:t>
+            </a:r>
+            <a:r>
+              <a:rPr lang="es-ES" noProof="0" dirty="0"/>
+              <a:t> </a:t>
+            </a:r>
+            <a:r>
+              <a:rPr lang="es-ES" noProof="0" dirty="0" err="1"/>
+              <a:t>styles</a:t>
+            </a:r>
+            <a:endParaRPr lang="es-ES" noProof="0" dirty="0"/>
           </a:p>
           <a:p>
             <a:pPr lvl="1" eaLnBrk="0" fontAlgn="base" hangingPunct="0">
@@ -1347,9 +1422,18 @@
               <a:buFont typeface="Arial" panose="020B0604020202020204" pitchFamily="34" charset="0"/>
             </a:pPr>
             <a:r>
-              <a:rPr lang="en-US" dirty="0"/>
-              <a:t>Second level</a:t>
-            </a:r>
+              <a:rPr lang="es-ES" noProof="0" dirty="0" err="1"/>
+              <a:t>Second</a:t>
+            </a:r>
+            <a:r>
+              <a:rPr lang="es-ES" noProof="0" dirty="0"/>
+              <a:t> </a:t>
+            </a:r>
+            <a:r>
+              <a:rPr lang="es-ES" noProof="0" dirty="0" err="1"/>
+              <a:t>level</a:t>
+            </a:r>
+            <a:endParaRPr lang="es-ES" noProof="0" dirty="0"/>
           </a:p>
           <a:p>
             <a:pPr lvl="2" eaLnBrk="0" fontAlgn="base" hangingPunct="0">
@@ -1359,9 +1443,18 @@
               <a:buFont typeface="Arial" panose="020B0604020202020204" pitchFamily="34" charset="0"/>
             </a:pPr>
             <a:r>
-              <a:rPr lang="en-US" dirty="0"/>
-              <a:t>Third level</a:t>
-            </a:r>
+              <a:rPr lang="es-ES" noProof="0" dirty="0" err="1"/>
+              <a:t>Third</a:t>
+            </a:r>
+            <a:r>
+              <a:rPr lang="es-ES" noProof="0" dirty="0"/>
+              <a:t> </a:t>
+            </a:r>
+            <a:r>
+              <a:rPr lang="es-ES" noProof="0" dirty="0" err="1"/>
+              <a:t>level</a:t>
+            </a:r>
+            <a:endParaRPr lang="es-ES" noProof="0" dirty="0"/>
           </a:p>
           <a:p>
             <a:pPr lvl="3" eaLnBrk="0" fontAlgn="base" hangingPunct="0">
@@ -1371,9 +1464,18 @@
               <a:buFont typeface="Arial" panose="020B0604020202020204" pitchFamily="34" charset="0"/>
             </a:pPr>
             <a:r>
-              <a:rPr lang="en-US" dirty="0"/>
-              <a:t>Fourth level</a:t>
-            </a:r>
+              <a:rPr lang="es-ES" noProof="0" dirty="0" err="1"/>
+              <a:t>Fourth</a:t>
+            </a:r>
+            <a:r>
+              <a:rPr lang="es-ES" noProof="0" dirty="0"/>
+              <a:t> </a:t>
+            </a:r>
+            <a:r>
+              <a:rPr lang="es-ES" noProof="0" dirty="0" err="1"/>
+              <a:t>level</a:t>
+            </a:r>
+            <a:endParaRPr lang="es-ES" noProof="0" dirty="0"/>
           </a:p>
           <a:p>
             <a:pPr lvl="4" eaLnBrk="0" fontAlgn="base" hangingPunct="0">
@@ -1383,9 +1485,18 @@
               <a:buFont typeface="Arial" panose="020B0604020202020204" pitchFamily="34" charset="0"/>
             </a:pPr>
             <a:r>
-              <a:rPr lang="en-US" dirty="0"/>
-              <a:t>Fifth level</a:t>
-            </a:r>
+              <a:rPr lang="es-ES" noProof="0" dirty="0" err="1"/>
+              <a:t>Fifth</a:t>
+            </a:r>
+            <a:r>
+              <a:rPr lang="es-ES" noProof="0" dirty="0"/>
+              <a:t> </a:t>
+            </a:r>
+            <a:r>
+              <a:rPr lang="es-ES" noProof="0" dirty="0" err="1"/>
+              <a:t>level</a:t>
+            </a:r>
+            <a:endParaRPr lang="es-ES" noProof="0" dirty="0"/>
           </a:p>
         </p:txBody>
       </p:sp>
@@ -1635,9 +1746,34 @@
           <a:p>
             <a:pPr marL="0" lvl="0" algn="l"/>
             <a:r>
-              <a:rPr lang="en-US" dirty="0"/>
-              <a:t>Click to edit Master title style</a:t>
-            </a:r>
+              <a:rPr lang="es-ES" noProof="0" dirty="0" err="1"/>
+              <a:t>Click</a:t>
+            </a:r>
+            <a:r>
+              <a:rPr lang="es-ES" noProof="0" dirty="0"/>
+              <a:t> to </a:t>
+            </a:r>
+            <a:r>
+              <a:rPr lang="es-ES" noProof="0" dirty="0" err="1"/>
+              <a:t>edit</a:t>
+            </a:r>
+            <a:r>
+              <a:rPr lang="es-ES" noProof="0" dirty="0"/>
+              <a:t> Master </a:t>
+            </a:r>
+            <a:r>
+              <a:rPr lang="es-ES" noProof="0" dirty="0" err="1"/>
+              <a:t>title</a:t>
+            </a:r>
+            <a:r>
+              <a:rPr lang="es-ES" noProof="0" dirty="0"/>
+              <a:t> </a:t>
+            </a:r>
+            <a:r>
+              <a:rPr lang="es-ES" noProof="0" dirty="0" err="1"/>
+              <a:t>style</a:t>
+            </a:r>
+            <a:endParaRPr lang="es-ES" noProof="0" dirty="0"/>
           </a:p>
         </p:txBody>
       </p:sp>
@@ -1859,9 +1995,34 @@
           </a:lstStyle>
           <a:p>
             <a:r>
-              <a:rPr lang="en-US"/>
-              <a:t>Click to edit Master title style</a:t>
-            </a:r>
+              <a:rPr lang="es-ES" noProof="0" dirty="0" err="1"/>
+              <a:t>Click</a:t>
+            </a:r>
+            <a:r>
+              <a:rPr lang="es-ES" noProof="0" dirty="0"/>
+              <a:t> to </a:t>
+            </a:r>
+            <a:r>
+              <a:rPr lang="es-ES" noProof="0" dirty="0" err="1"/>
+              <a:t>edit</a:t>
+            </a:r>
+            <a:r>
+              <a:rPr lang="es-ES" noProof="0" dirty="0"/>
+              <a:t> Master </a:t>
+            </a:r>
+            <a:r>
+              <a:rPr lang="es-ES" noProof="0" dirty="0" err="1"/>
+              <a:t>title</a:t>
+            </a:r>
+            <a:r>
+              <a:rPr lang="es-ES" noProof="0" dirty="0"/>
+              <a:t> </a:t>
+            </a:r>
+            <a:r>
+              <a:rPr lang="es-ES" noProof="0" dirty="0" err="1"/>
+              <a:t>style</a:t>
+            </a:r>
+            <a:endParaRPr lang="es-ES" noProof="0" dirty="0"/>
           </a:p>
         </p:txBody>
       </p:sp>
@@ -1978,9 +2139,34 @@
           <a:p>
             <a:pPr lvl="0"/>
             <a:r>
-              <a:rPr lang="en-US"/>
-              <a:t>Click to edit Master text styles</a:t>
-            </a:r>
+              <a:rPr lang="es-ES" noProof="0" dirty="0" err="1"/>
+              <a:t>Click</a:t>
+            </a:r>
+            <a:r>
+              <a:rPr lang="es-ES" noProof="0" dirty="0"/>
+              <a:t> to </a:t>
+            </a:r>
+            <a:r>
+              <a:rPr lang="es-ES" noProof="0" dirty="0" err="1"/>
+              <a:t>edit</a:t>
+            </a:r>
+            <a:r>
+              <a:rPr lang="es-ES" noProof="0" dirty="0"/>
+              <a:t> Master </a:t>
+            </a:r>
+            <a:r>
+              <a:rPr lang="es-ES" noProof="0" dirty="0" err="1"/>
+              <a:t>text</a:t>
+            </a:r>
+            <a:r>
+              <a:rPr lang="es-ES" noProof="0" dirty="0"/>
+              <a:t> </a:t>
+            </a:r>
+            <a:r>
+              <a:rPr lang="es-ES" noProof="0" dirty="0" err="1"/>
+              <a:t>styles</a:t>
+            </a:r>
+            <a:endParaRPr lang="es-ES" noProof="0" dirty="0"/>
           </a:p>
         </p:txBody>
       </p:sp>
@@ -2000,10 +2186,10 @@
           <a:lstStyle/>
           <a:p>
             <a:fld id="{241EB5C9-1307-BA42-ABA2-0BC069CD8E7F}" type="datetimeFigureOut">
-              <a:rPr lang="en-US" smtClean="0"/>
-              <a:t>10/13/2020</a:t>
+              <a:rPr lang="es-ES" noProof="0" smtClean="0"/>
+              <a:t>10/27/2020</a:t>
             </a:fld>
-            <a:endParaRPr lang="en-US"/>
+            <a:endParaRPr lang="es-ES" noProof="0" dirty="0"/>
           </a:p>
         </p:txBody>
       </p:sp>
@@ -2022,7 +2208,7 @@
           <a:bodyPr/>
           <a:lstStyle/>
           <a:p>
-            <a:endParaRPr lang="en-US"/>
+            <a:endParaRPr lang="es-ES" noProof="0" dirty="0"/>
           </a:p>
         </p:txBody>
       </p:sp>
@@ -2096,7 +2282,7 @@
           <a:p>
             <a:fld id="{241EB5C9-1307-BA42-ABA2-0BC069CD8E7F}" type="datetimeFigureOut">
               <a:rPr lang="en-US" smtClean="0"/>
-              <a:t>10/13/2020</a:t>
+              <a:t>10/27/2020</a:t>
             </a:fld>
             <a:endParaRPr lang="en-US"/>
           </a:p>
@@ -2221,9 +2407,34 @@
               <a:buFont typeface="Arial" panose="020B0604020202020204" pitchFamily="34" charset="0"/>
             </a:pPr>
             <a:r>
-              <a:rPr lang="en-US" dirty="0"/>
-              <a:t>Click to edit Master text styles</a:t>
-            </a:r>
+              <a:rPr lang="es-ES" noProof="0" dirty="0" err="1"/>
+              <a:t>Click</a:t>
+            </a:r>
+            <a:r>
+              <a:rPr lang="es-ES" noProof="0" dirty="0"/>
+              <a:t> to </a:t>
+            </a:r>
+            <a:r>
+              <a:rPr lang="es-ES" noProof="0" dirty="0" err="1"/>
+              <a:t>edit</a:t>
+            </a:r>
+            <a:r>
+              <a:rPr lang="es-ES" noProof="0" dirty="0"/>
+              <a:t> Master </a:t>
+            </a:r>
+            <a:r>
+              <a:rPr lang="es-ES" noProof="0" dirty="0" err="1"/>
+              <a:t>text</a:t>
+            </a:r>
+            <a:r>
+              <a:rPr lang="es-ES" noProof="0" dirty="0"/>
+              <a:t> </a:t>
+            </a:r>
+            <a:r>
+              <a:rPr lang="es-ES" noProof="0" dirty="0" err="1"/>
+              <a:t>styles</a:t>
+            </a:r>
+            <a:endParaRPr lang="es-ES" noProof="0" dirty="0"/>
           </a:p>
           <a:p>
             <a:pPr lvl="1" eaLnBrk="0" fontAlgn="base" hangingPunct="0">
@@ -2233,9 +2444,18 @@
               <a:buFont typeface="Arial" panose="020B0604020202020204" pitchFamily="34" charset="0"/>
             </a:pPr>
             <a:r>
-              <a:rPr lang="en-US" dirty="0"/>
-              <a:t>Second level</a:t>
-            </a:r>
+              <a:rPr lang="es-ES" noProof="0" dirty="0" err="1"/>
+              <a:t>Second</a:t>
+            </a:r>
+            <a:r>
+              <a:rPr lang="es-ES" noProof="0" dirty="0"/>
+              <a:t> </a:t>
+            </a:r>
+            <a:r>
+              <a:rPr lang="es-ES" noProof="0" dirty="0" err="1"/>
+              <a:t>level</a:t>
+            </a:r>
+            <a:endParaRPr lang="es-ES" noProof="0" dirty="0"/>
           </a:p>
           <a:p>
             <a:pPr lvl="2" eaLnBrk="0" fontAlgn="base" hangingPunct="0">
@@ -2245,9 +2465,18 @@
               <a:buFont typeface="Arial" panose="020B0604020202020204" pitchFamily="34" charset="0"/>
             </a:pPr>
             <a:r>
-              <a:rPr lang="en-US" dirty="0"/>
-              <a:t>Third level</a:t>
-            </a:r>
+              <a:rPr lang="es-ES" noProof="0" dirty="0" err="1"/>
+              <a:t>Third</a:t>
+            </a:r>
+            <a:r>
+              <a:rPr lang="es-ES" noProof="0" dirty="0"/>
+              <a:t> </a:t>
+            </a:r>
+            <a:r>
+              <a:rPr lang="es-ES" noProof="0" dirty="0" err="1"/>
+              <a:t>level</a:t>
+            </a:r>
+            <a:endParaRPr lang="es-ES" noProof="0" dirty="0"/>
           </a:p>
           <a:p>
             <a:pPr lvl="3" eaLnBrk="0" fontAlgn="base" hangingPunct="0">
@@ -2257,9 +2486,18 @@
               <a:buFont typeface="Arial" panose="020B0604020202020204" pitchFamily="34" charset="0"/>
             </a:pPr>
             <a:r>
-              <a:rPr lang="en-US" dirty="0"/>
-              <a:t>Fourth level</a:t>
-            </a:r>
+              <a:rPr lang="es-ES" noProof="0" dirty="0" err="1"/>
+              <a:t>Fourth</a:t>
+            </a:r>
+            <a:r>
+              <a:rPr lang="es-ES" noProof="0" dirty="0"/>
+              <a:t> </a:t>
+            </a:r>
+            <a:r>
+              <a:rPr lang="es-ES" noProof="0" dirty="0" err="1"/>
+              <a:t>level</a:t>
+            </a:r>
+            <a:endParaRPr lang="es-ES" noProof="0" dirty="0"/>
           </a:p>
           <a:p>
             <a:pPr lvl="4" eaLnBrk="0" fontAlgn="base" hangingPunct="0">
@@ -2269,9 +2507,18 @@
               <a:buFont typeface="Arial" panose="020B0604020202020204" pitchFamily="34" charset="0"/>
             </a:pPr>
             <a:r>
-              <a:rPr lang="en-US" dirty="0"/>
-              <a:t>Fifth level</a:t>
-            </a:r>
+              <a:rPr lang="es-ES" noProof="0" dirty="0" err="1"/>
+              <a:t>Fifth</a:t>
+            </a:r>
+            <a:r>
+              <a:rPr lang="es-ES" noProof="0" dirty="0"/>
+              <a:t> </a:t>
+            </a:r>
+            <a:r>
+              <a:rPr lang="es-ES" noProof="0" dirty="0" err="1"/>
+              <a:t>level</a:t>
+            </a:r>
+            <a:endParaRPr lang="es-ES" noProof="0" dirty="0"/>
           </a:p>
         </p:txBody>
       </p:sp>
@@ -2352,9 +2599,34 @@
               <a:buFont typeface="Arial" panose="020B0604020202020204" pitchFamily="34" charset="0"/>
             </a:pPr>
             <a:r>
-              <a:rPr lang="en-US"/>
-              <a:t>Click to edit Master text styles</a:t>
-            </a:r>
+              <a:rPr lang="es-ES" noProof="0" dirty="0" err="1"/>
+              <a:t>Click</a:t>
+            </a:r>
+            <a:r>
+              <a:rPr lang="es-ES" noProof="0" dirty="0"/>
+              <a:t> to </a:t>
+            </a:r>
+            <a:r>
+              <a:rPr lang="es-ES" noProof="0" dirty="0" err="1"/>
+              <a:t>edit</a:t>
+            </a:r>
+            <a:r>
+              <a:rPr lang="es-ES" noProof="0" dirty="0"/>
+              <a:t> Master </a:t>
+            </a:r>
+            <a:r>
+              <a:rPr lang="es-ES" noProof="0" dirty="0" err="1"/>
+              <a:t>text</a:t>
+            </a:r>
+            <a:r>
+              <a:rPr lang="es-ES" noProof="0" dirty="0"/>
+              <a:t> </a:t>
+            </a:r>
+            <a:r>
+              <a:rPr lang="es-ES" noProof="0" dirty="0" err="1"/>
+              <a:t>styles</a:t>
+            </a:r>
+            <a:endParaRPr lang="es-ES" noProof="0" dirty="0"/>
           </a:p>
           <a:p>
             <a:pPr lvl="1" eaLnBrk="0" fontAlgn="base" hangingPunct="0">
@@ -2364,9 +2636,18 @@
               <a:buFont typeface="Arial" panose="020B0604020202020204" pitchFamily="34" charset="0"/>
             </a:pPr>
             <a:r>
-              <a:rPr lang="en-US"/>
-              <a:t>Second level</a:t>
-            </a:r>
+              <a:rPr lang="es-ES" noProof="0" dirty="0" err="1"/>
+              <a:t>Second</a:t>
+            </a:r>
+            <a:r>
+              <a:rPr lang="es-ES" noProof="0" dirty="0"/>
+              <a:t> </a:t>
+            </a:r>
+            <a:r>
+              <a:rPr lang="es-ES" noProof="0" dirty="0" err="1"/>
+              <a:t>level</a:t>
+            </a:r>
+            <a:endParaRPr lang="es-ES" noProof="0" dirty="0"/>
           </a:p>
           <a:p>
             <a:pPr lvl="2" eaLnBrk="0" fontAlgn="base" hangingPunct="0">
@@ -2376,9 +2657,18 @@
               <a:buFont typeface="Arial" panose="020B0604020202020204" pitchFamily="34" charset="0"/>
             </a:pPr>
             <a:r>
-              <a:rPr lang="en-US"/>
-              <a:t>Third level</a:t>
-            </a:r>
+              <a:rPr lang="es-ES" noProof="0" dirty="0" err="1"/>
+              <a:t>Third</a:t>
+            </a:r>
+            <a:r>
+              <a:rPr lang="es-ES" noProof="0" dirty="0"/>
+              <a:t> </a:t>
+            </a:r>
+            <a:r>
+              <a:rPr lang="es-ES" noProof="0" dirty="0" err="1"/>
+              <a:t>level</a:t>
+            </a:r>
+            <a:endParaRPr lang="es-ES" noProof="0" dirty="0"/>
           </a:p>
           <a:p>
             <a:pPr lvl="3" eaLnBrk="0" fontAlgn="base" hangingPunct="0">
@@ -2388,9 +2678,18 @@
               <a:buFont typeface="Arial" panose="020B0604020202020204" pitchFamily="34" charset="0"/>
             </a:pPr>
             <a:r>
-              <a:rPr lang="en-US"/>
-              <a:t>Fourth level</a:t>
-            </a:r>
+              <a:rPr lang="es-ES" noProof="0" dirty="0" err="1"/>
+              <a:t>Fourth</a:t>
+            </a:r>
+            <a:r>
+              <a:rPr lang="es-ES" noProof="0" dirty="0"/>
+              <a:t> </a:t>
+            </a:r>
+            <a:r>
+              <a:rPr lang="es-ES" noProof="0" dirty="0" err="1"/>
+              <a:t>level</a:t>
+            </a:r>
+            <a:endParaRPr lang="es-ES" noProof="0" dirty="0"/>
           </a:p>
           <a:p>
             <a:pPr lvl="4" eaLnBrk="0" fontAlgn="base" hangingPunct="0">
@@ -2400,9 +2699,18 @@
               <a:buFont typeface="Arial" panose="020B0604020202020204" pitchFamily="34" charset="0"/>
             </a:pPr>
             <a:r>
-              <a:rPr lang="en-US"/>
-              <a:t>Fifth level</a:t>
-            </a:r>
+              <a:rPr lang="es-ES" noProof="0" dirty="0" err="1"/>
+              <a:t>Fifth</a:t>
+            </a:r>
+            <a:r>
+              <a:rPr lang="es-ES" noProof="0" dirty="0"/>
+              <a:t> </a:t>
+            </a:r>
+            <a:r>
+              <a:rPr lang="es-ES" noProof="0" dirty="0" err="1"/>
+              <a:t>level</a:t>
+            </a:r>
+            <a:endParaRPr lang="es-ES" noProof="0" dirty="0"/>
           </a:p>
         </p:txBody>
       </p:sp>
@@ -2652,9 +2960,34 @@
           <a:p>
             <a:pPr marL="0" lvl="0" algn="l"/>
             <a:r>
-              <a:rPr lang="en-US" dirty="0"/>
-              <a:t>Click to edit Master title style</a:t>
-            </a:r>
+              <a:rPr lang="es-ES" noProof="0" dirty="0" err="1"/>
+              <a:t>Click</a:t>
+            </a:r>
+            <a:r>
+              <a:rPr lang="es-ES" noProof="0" dirty="0"/>
+              <a:t> to </a:t>
+            </a:r>
+            <a:r>
+              <a:rPr lang="es-ES" noProof="0" dirty="0" err="1"/>
+              <a:t>edit</a:t>
+            </a:r>
+            <a:r>
+              <a:rPr lang="es-ES" noProof="0" dirty="0"/>
+              <a:t> Master </a:t>
+            </a:r>
+            <a:r>
+              <a:rPr lang="es-ES" noProof="0" dirty="0" err="1"/>
+              <a:t>title</a:t>
+            </a:r>
+            <a:r>
+              <a:rPr lang="es-ES" noProof="0" dirty="0"/>
+              <a:t> </a:t>
+            </a:r>
+            <a:r>
+              <a:rPr lang="es-ES" noProof="0" dirty="0" err="1"/>
+              <a:t>style</a:t>
+            </a:r>
+            <a:endParaRPr lang="es-ES" noProof="0" dirty="0"/>
           </a:p>
         </p:txBody>
       </p:sp>
@@ -3241,7 +3574,7 @@
           <a:p>
             <a:fld id="{241EB5C9-1307-BA42-ABA2-0BC069CD8E7F}" type="datetimeFigureOut">
               <a:rPr lang="en-US" smtClean="0"/>
-              <a:t>10/13/2020</a:t>
+              <a:t>10/27/2020</a:t>
             </a:fld>
             <a:endParaRPr lang="en-US"/>
           </a:p>
@@ -3358,7 +3691,7 @@
           <a:p>
             <a:fld id="{241EB5C9-1307-BA42-ABA2-0BC069CD8E7F}" type="datetimeFigureOut">
               <a:rPr lang="en-US" smtClean="0"/>
-              <a:t>10/13/2020</a:t>
+              <a:t>10/27/2020</a:t>
             </a:fld>
             <a:endParaRPr lang="en-US"/>
           </a:p>
@@ -3453,7 +3786,7 @@
           <a:p>
             <a:fld id="{241EB5C9-1307-BA42-ABA2-0BC069CD8E7F}" type="datetimeFigureOut">
               <a:rPr lang="en-US" smtClean="0"/>
-              <a:t>10/13/2020</a:t>
+              <a:t>10/27/2020</a:t>
             </a:fld>
             <a:endParaRPr lang="en-US"/>
           </a:p>
@@ -3728,7 +4061,7 @@
           <a:p>
             <a:fld id="{241EB5C9-1307-BA42-ABA2-0BC069CD8E7F}" type="datetimeFigureOut">
               <a:rPr lang="en-US" smtClean="0"/>
-              <a:t>10/13/2020</a:t>
+              <a:t>10/27/2020</a:t>
             </a:fld>
             <a:endParaRPr lang="en-US"/>
           </a:p>
@@ -3980,7 +4313,7 @@
           <a:p>
             <a:fld id="{241EB5C9-1307-BA42-ABA2-0BC069CD8E7F}" type="datetimeFigureOut">
               <a:rPr lang="en-US" smtClean="0"/>
-              <a:t>10/13/2020</a:t>
+              <a:t>10/27/2020</a:t>
             </a:fld>
             <a:endParaRPr lang="en-US"/>
           </a:p>
@@ -4116,9 +4449,34 @@
           <a:p>
             <a:pPr marL="0" lvl="0"/>
             <a:r>
-              <a:rPr lang="en-US" dirty="0"/>
-              <a:t>Click to edit Master title style</a:t>
-            </a:r>
+              <a:rPr lang="es-ES" noProof="0" dirty="0" err="1"/>
+              <a:t>Click</a:t>
+            </a:r>
+            <a:r>
+              <a:rPr lang="es-ES" noProof="0" dirty="0"/>
+              <a:t> to </a:t>
+            </a:r>
+            <a:r>
+              <a:rPr lang="es-ES" noProof="0" dirty="0" err="1"/>
+              <a:t>edit</a:t>
+            </a:r>
+            <a:r>
+              <a:rPr lang="es-ES" noProof="0" dirty="0"/>
+              <a:t> Master </a:t>
+            </a:r>
+            <a:r>
+              <a:rPr lang="es-ES" noProof="0" dirty="0" err="1"/>
+              <a:t>title</a:t>
+            </a:r>
+            <a:r>
+              <a:rPr lang="es-ES" noProof="0" dirty="0"/>
+              <a:t> </a:t>
+            </a:r>
+            <a:r>
+              <a:rPr lang="es-ES" noProof="0" dirty="0" err="1"/>
+              <a:t>style</a:t>
+            </a:r>
+            <a:endParaRPr lang="es-ES" noProof="0" dirty="0"/>
           </a:p>
         </p:txBody>
       </p:sp>
@@ -4180,9 +4538,34 @@
               <a:buFont typeface="Arial" panose="020B0604020202020204" pitchFamily="34" charset="0"/>
             </a:pPr>
             <a:r>
-              <a:rPr lang="en-US" dirty="0"/>
-              <a:t>Click to edit Master text styles</a:t>
-            </a:r>
+              <a:rPr lang="es-ES" noProof="0" dirty="0" err="1"/>
+              <a:t>Click</a:t>
+            </a:r>
+            <a:r>
+              <a:rPr lang="es-ES" noProof="0" dirty="0"/>
+              <a:t> to </a:t>
+            </a:r>
+            <a:r>
+              <a:rPr lang="es-ES" noProof="0" dirty="0" err="1"/>
+              <a:t>edit</a:t>
+            </a:r>
+            <a:r>
+              <a:rPr lang="es-ES" noProof="0" dirty="0"/>
+              <a:t> Master </a:t>
+            </a:r>
+            <a:r>
+              <a:rPr lang="es-ES" noProof="0" dirty="0" err="1"/>
+              <a:t>text</a:t>
+            </a:r>
+            <a:r>
+              <a:rPr lang="es-ES" noProof="0" dirty="0"/>
+              <a:t> </a:t>
+            </a:r>
+            <a:r>
+              <a:rPr lang="es-ES" noProof="0" dirty="0" err="1"/>
+              <a:t>styles</a:t>
+            </a:r>
+            <a:endParaRPr lang="es-ES" noProof="0" dirty="0"/>
           </a:p>
           <a:p>
             <a:pPr lvl="1" eaLnBrk="0" fontAlgn="base" hangingPunct="0">
@@ -4192,9 +4575,18 @@
               <a:buFont typeface="Arial" panose="020B0604020202020204" pitchFamily="34" charset="0"/>
             </a:pPr>
             <a:r>
-              <a:rPr lang="en-US" dirty="0"/>
-              <a:t>Second level</a:t>
-            </a:r>
+              <a:rPr lang="es-ES" noProof="0" dirty="0" err="1"/>
+              <a:t>Second</a:t>
+            </a:r>
+            <a:r>
+              <a:rPr lang="es-ES" noProof="0" dirty="0"/>
+              <a:t> </a:t>
+            </a:r>
+            <a:r>
+              <a:rPr lang="es-ES" noProof="0" dirty="0" err="1"/>
+              <a:t>level</a:t>
+            </a:r>
+            <a:endParaRPr lang="es-ES" noProof="0" dirty="0"/>
           </a:p>
           <a:p>
             <a:pPr lvl="2" eaLnBrk="0" fontAlgn="base" hangingPunct="0">
@@ -4204,9 +4596,18 @@
               <a:buFont typeface="Arial" panose="020B0604020202020204" pitchFamily="34" charset="0"/>
             </a:pPr>
             <a:r>
-              <a:rPr lang="en-US" dirty="0"/>
-              <a:t>Third level</a:t>
-            </a:r>
+              <a:rPr lang="es-ES" noProof="0" dirty="0" err="1"/>
+              <a:t>Third</a:t>
+            </a:r>
+            <a:r>
+              <a:rPr lang="es-ES" noProof="0" dirty="0"/>
+              <a:t> </a:t>
+            </a:r>
+            <a:r>
+              <a:rPr lang="es-ES" noProof="0" dirty="0" err="1"/>
+              <a:t>level</a:t>
+            </a:r>
+            <a:endParaRPr lang="es-ES" noProof="0" dirty="0"/>
           </a:p>
           <a:p>
             <a:pPr lvl="3" eaLnBrk="0" fontAlgn="base" hangingPunct="0">
@@ -4216,9 +4617,18 @@
               <a:buFont typeface="Arial" panose="020B0604020202020204" pitchFamily="34" charset="0"/>
             </a:pPr>
             <a:r>
-              <a:rPr lang="en-US" dirty="0"/>
-              <a:t>Fourth level</a:t>
-            </a:r>
+              <a:rPr lang="es-ES" noProof="0" dirty="0" err="1"/>
+              <a:t>Fourth</a:t>
+            </a:r>
+            <a:r>
+              <a:rPr lang="es-ES" noProof="0" dirty="0"/>
+              <a:t> </a:t>
+            </a:r>
+            <a:r>
+              <a:rPr lang="es-ES" noProof="0" dirty="0" err="1"/>
+              <a:t>level</a:t>
+            </a:r>
+            <a:endParaRPr lang="es-ES" noProof="0" dirty="0"/>
           </a:p>
           <a:p>
             <a:pPr lvl="4" eaLnBrk="0" fontAlgn="base" hangingPunct="0">
@@ -4228,9 +4638,18 @@
               <a:buFont typeface="Arial" panose="020B0604020202020204" pitchFamily="34" charset="0"/>
             </a:pPr>
             <a:r>
-              <a:rPr lang="en-US" dirty="0"/>
-              <a:t>Fifth level</a:t>
-            </a:r>
+              <a:rPr lang="es-ES" noProof="0" dirty="0" err="1"/>
+              <a:t>Fifth</a:t>
+            </a:r>
+            <a:r>
+              <a:rPr lang="es-ES" noProof="0" dirty="0"/>
+              <a:t> </a:t>
+            </a:r>
+            <a:r>
+              <a:rPr lang="es-ES" noProof="0" dirty="0" err="1"/>
+              <a:t>level</a:t>
+            </a:r>
+            <a:endParaRPr lang="es-ES" noProof="0" dirty="0"/>
           </a:p>
         </p:txBody>
       </p:sp>
@@ -4268,10 +4687,10 @@
           </a:lstStyle>
           <a:p>
             <a:fld id="{241EB5C9-1307-BA42-ABA2-0BC069CD8E7F}" type="datetimeFigureOut">
-              <a:rPr lang="en-US" smtClean="0"/>
-              <a:t>10/13/2020</a:t>
+              <a:rPr lang="es-ES" noProof="0" smtClean="0"/>
+              <a:t>10/27/2020</a:t>
             </a:fld>
-            <a:endParaRPr lang="en-US"/>
+            <a:endParaRPr lang="es-ES" noProof="0"/>
           </a:p>
         </p:txBody>
       </p:sp>
@@ -4308,7 +4727,7 @@
             </a:lvl1pPr>
           </a:lstStyle>
           <a:p>
-            <a:endParaRPr lang="en-US"/>
+            <a:endParaRPr lang="es-ES" noProof="0"/>
           </a:p>
         </p:txBody>
       </p:sp>
@@ -4346,10 +4765,10 @@
           </a:lstStyle>
           <a:p>
             <a:fld id="{C5EF2332-01BF-834F-8236-50238282D533}" type="slidenum">
-              <a:rPr lang="en-US" smtClean="0"/>
+              <a:rPr lang="es-ES" noProof="0" smtClean="0"/>
               <a:t>‹Nº›</a:t>
             </a:fld>
-            <a:endParaRPr lang="en-US"/>
+            <a:endParaRPr lang="es-ES" noProof="0"/>
           </a:p>
         </p:txBody>
       </p:sp>
@@ -4665,7 +5084,7 @@
           <a:bodyPr/>
           <a:lstStyle/>
           <a:p>
-            <a:endParaRPr lang="es-ES"/>
+            <a:endParaRPr lang="es-ES" dirty="0"/>
           </a:p>
         </p:txBody>
       </p:sp>
@@ -4690,7 +5109,7 @@
           <a:bodyPr/>
           <a:lstStyle/>
           <a:p>
-            <a:endParaRPr lang="es-ES"/>
+            <a:endParaRPr lang="es-ES" dirty="0"/>
           </a:p>
         </p:txBody>
       </p:sp>
